--- a/plots/marker_overlap/marker_overlap.pptx
+++ b/plots/marker_overlap/marker_overlap.pptx
@@ -104,19 +104,152 @@
       </a:defRPr>
     </a:lvl9pPr>
   </p:defaultTextStyle>
+  <p:extLst>
+    <p:ext uri="{EFAFB233-063F-42B5-8137-9DF3F51BA10A}">
+      <p15:sldGuideLst xmlns:p15="http://schemas.microsoft.com/office/powerpoint/2012/main"/>
+    </p:ext>
+  </p:extLst>
 </p:presentation>
 </file>
 
 <file path=ppt/revisionInfo.xml><?xml version="1.0" encoding="utf-8"?>
 <p1510:revInfo xmlns:a="http://schemas.openxmlformats.org/drawingml/2006/main" xmlns:r="http://schemas.openxmlformats.org/officeDocument/2006/relationships" xmlns:p1510="http://schemas.microsoft.com/office/powerpoint/2015/10/main">
   <p1510:revLst>
-    <p1510:client id="{3417C152-B8A4-469A-95C9-0E070E3595C8}" v="28" dt="2025-07-02T16:28:48.572"/>
+    <p1510:client id="{7CE17A3D-310D-4F3D-A278-8CD8D135CCC9}" v="5" dt="2025-10-13T08:21:13.674"/>
   </p1510:revLst>
 </p1510:revInfo>
 </file>
 
 <file path=ppt/changesInfos/changesInfo1.xml><?xml version="1.0" encoding="utf-8"?>
 <pc:chgInfo xmlns:a="http://schemas.openxmlformats.org/drawingml/2006/main" xmlns:r="http://schemas.openxmlformats.org/officeDocument/2006/relationships" xmlns:ac="http://schemas.microsoft.com/office/drawing/2013/main/command" xmlns:pc="http://schemas.microsoft.com/office/powerpoint/2013/main/command">
+  <pc:docChgLst>
+    <pc:chgData name="ROSS, ETHAN (PGR)" userId="64022231-9dc0-4c9d-8854-6af795d8551c" providerId="ADAL" clId="{7CE17A3D-310D-4F3D-A278-8CD8D135CCC9}"/>
+    <pc:docChg chg="undo custSel modSld">
+      <pc:chgData name="ROSS, ETHAN (PGR)" userId="64022231-9dc0-4c9d-8854-6af795d8551c" providerId="ADAL" clId="{7CE17A3D-310D-4F3D-A278-8CD8D135CCC9}" dt="2025-10-13T08:22:11.932" v="132" actId="1076"/>
+      <pc:docMkLst>
+        <pc:docMk/>
+      </pc:docMkLst>
+      <pc:sldChg chg="addSp modSp mod">
+        <pc:chgData name="ROSS, ETHAN (PGR)" userId="64022231-9dc0-4c9d-8854-6af795d8551c" providerId="ADAL" clId="{7CE17A3D-310D-4F3D-A278-8CD8D135CCC9}" dt="2025-10-13T08:22:11.932" v="132" actId="1076"/>
+        <pc:sldMkLst>
+          <pc:docMk/>
+          <pc:sldMk cId="1955097304" sldId="256"/>
+        </pc:sldMkLst>
+        <pc:spChg chg="add mod">
+          <ac:chgData name="ROSS, ETHAN (PGR)" userId="64022231-9dc0-4c9d-8854-6af795d8551c" providerId="ADAL" clId="{7CE17A3D-310D-4F3D-A278-8CD8D135CCC9}" dt="2025-10-13T08:20:59.739" v="119" actId="1076"/>
+          <ac:spMkLst>
+            <pc:docMk/>
+            <pc:sldMk cId="1955097304" sldId="256"/>
+            <ac:spMk id="2" creationId="{D55B8276-7AEE-875D-EB5B-BE778E4683A3}"/>
+          </ac:spMkLst>
+        </pc:spChg>
+        <pc:spChg chg="add mod">
+          <ac:chgData name="ROSS, ETHAN (PGR)" userId="64022231-9dc0-4c9d-8854-6af795d8551c" providerId="ADAL" clId="{7CE17A3D-310D-4F3D-A278-8CD8D135CCC9}" dt="2025-10-13T08:21:42.058" v="125" actId="1076"/>
+          <ac:spMkLst>
+            <pc:docMk/>
+            <pc:sldMk cId="1955097304" sldId="256"/>
+            <ac:spMk id="3" creationId="{CCE6CD9F-6295-030A-6DAD-52ED6E12801C}"/>
+          </ac:spMkLst>
+        </pc:spChg>
+        <pc:spChg chg="add mod">
+          <ac:chgData name="ROSS, ETHAN (PGR)" userId="64022231-9dc0-4c9d-8854-6af795d8551c" providerId="ADAL" clId="{7CE17A3D-310D-4F3D-A278-8CD8D135CCC9}" dt="2025-10-13T08:22:02.929" v="129" actId="1076"/>
+          <ac:spMkLst>
+            <pc:docMk/>
+            <pc:sldMk cId="1955097304" sldId="256"/>
+            <ac:spMk id="4" creationId="{80E512C4-8C36-531C-6F49-5CA2419AAAA0}"/>
+          </ac:spMkLst>
+        </pc:spChg>
+        <pc:spChg chg="add mod">
+          <ac:chgData name="ROSS, ETHAN (PGR)" userId="64022231-9dc0-4c9d-8854-6af795d8551c" providerId="ADAL" clId="{7CE17A3D-310D-4F3D-A278-8CD8D135CCC9}" dt="2025-10-13T08:20:26.162" v="111" actId="1076"/>
+          <ac:spMkLst>
+            <pc:docMk/>
+            <pc:sldMk cId="1955097304" sldId="256"/>
+            <ac:spMk id="5" creationId="{8744AC5F-CD87-1A62-5CD4-41A3ACE8F427}"/>
+          </ac:spMkLst>
+        </pc:spChg>
+        <pc:spChg chg="mod">
+          <ac:chgData name="ROSS, ETHAN (PGR)" userId="64022231-9dc0-4c9d-8854-6af795d8551c" providerId="ADAL" clId="{7CE17A3D-310D-4F3D-A278-8CD8D135CCC9}" dt="2025-10-13T08:19:37.265" v="101" actId="1076"/>
+          <ac:spMkLst>
+            <pc:docMk/>
+            <pc:sldMk cId="1955097304" sldId="256"/>
+            <ac:spMk id="6" creationId="{681F467E-1A2A-4D13-BFFC-A12B2E4ABBC1}"/>
+          </ac:spMkLst>
+        </pc:spChg>
+        <pc:spChg chg="mod">
+          <ac:chgData name="ROSS, ETHAN (PGR)" userId="64022231-9dc0-4c9d-8854-6af795d8551c" providerId="ADAL" clId="{7CE17A3D-310D-4F3D-A278-8CD8D135CCC9}" dt="2025-10-13T08:20:05.663" v="107" actId="1076"/>
+          <ac:spMkLst>
+            <pc:docMk/>
+            <pc:sldMk cId="1955097304" sldId="256"/>
+            <ac:spMk id="10" creationId="{899849E5-6A0B-F31E-CE38-B42987DCDEFE}"/>
+          </ac:spMkLst>
+        </pc:spChg>
+        <pc:spChg chg="mod">
+          <ac:chgData name="ROSS, ETHAN (PGR)" userId="64022231-9dc0-4c9d-8854-6af795d8551c" providerId="ADAL" clId="{7CE17A3D-310D-4F3D-A278-8CD8D135CCC9}" dt="2025-10-13T08:21:59.937" v="128" actId="1076"/>
+          <ac:spMkLst>
+            <pc:docMk/>
+            <pc:sldMk cId="1955097304" sldId="256"/>
+            <ac:spMk id="15" creationId="{4E4966DC-7402-6FC2-8F91-8151DA62954B}"/>
+          </ac:spMkLst>
+        </pc:spChg>
+        <pc:spChg chg="mod">
+          <ac:chgData name="ROSS, ETHAN (PGR)" userId="64022231-9dc0-4c9d-8854-6af795d8551c" providerId="ADAL" clId="{7CE17A3D-310D-4F3D-A278-8CD8D135CCC9}" dt="2025-10-13T08:21:39.074" v="124" actId="1076"/>
+          <ac:spMkLst>
+            <pc:docMk/>
+            <pc:sldMk cId="1955097304" sldId="256"/>
+            <ac:spMk id="17" creationId="{6F28FF4C-0FEA-C5FD-45BA-375C431CE85A}"/>
+          </ac:spMkLst>
+        </pc:spChg>
+        <pc:spChg chg="mod">
+          <ac:chgData name="ROSS, ETHAN (PGR)" userId="64022231-9dc0-4c9d-8854-6af795d8551c" providerId="ADAL" clId="{7CE17A3D-310D-4F3D-A278-8CD8D135CCC9}" dt="2025-10-13T08:22:06.314" v="130" actId="1076"/>
+          <ac:spMkLst>
+            <pc:docMk/>
+            <pc:sldMk cId="1955097304" sldId="256"/>
+            <ac:spMk id="33" creationId="{151B2BC1-76A1-9C20-2C20-82ABCD9A5D5C}"/>
+          </ac:spMkLst>
+        </pc:spChg>
+        <pc:spChg chg="mod">
+          <ac:chgData name="ROSS, ETHAN (PGR)" userId="64022231-9dc0-4c9d-8854-6af795d8551c" providerId="ADAL" clId="{7CE17A3D-310D-4F3D-A278-8CD8D135CCC9}" dt="2025-10-13T08:21:45.614" v="126" actId="1076"/>
+          <ac:spMkLst>
+            <pc:docMk/>
+            <pc:sldMk cId="1955097304" sldId="256"/>
+            <ac:spMk id="34" creationId="{228F88D3-6A1D-8392-E5EB-DF0716296AFB}"/>
+          </ac:spMkLst>
+        </pc:spChg>
+        <pc:spChg chg="mod">
+          <ac:chgData name="ROSS, ETHAN (PGR)" userId="64022231-9dc0-4c9d-8854-6af795d8551c" providerId="ADAL" clId="{7CE17A3D-310D-4F3D-A278-8CD8D135CCC9}" dt="2025-10-13T08:22:09.429" v="131" actId="1076"/>
+          <ac:spMkLst>
+            <pc:docMk/>
+            <pc:sldMk cId="1955097304" sldId="256"/>
+            <ac:spMk id="37" creationId="{CBE1E0AC-DB9F-3D79-D3FD-03F7BF83B532}"/>
+          </ac:spMkLst>
+        </pc:spChg>
+        <pc:spChg chg="mod">
+          <ac:chgData name="ROSS, ETHAN (PGR)" userId="64022231-9dc0-4c9d-8854-6af795d8551c" providerId="ADAL" clId="{7CE17A3D-310D-4F3D-A278-8CD8D135CCC9}" dt="2025-10-13T08:21:55.361" v="127" actId="1076"/>
+          <ac:spMkLst>
+            <pc:docMk/>
+            <pc:sldMk cId="1955097304" sldId="256"/>
+            <ac:spMk id="39" creationId="{F1C6BF11-988E-F971-779A-9AAB10527CC9}"/>
+          </ac:spMkLst>
+        </pc:spChg>
+        <pc:spChg chg="mod">
+          <ac:chgData name="ROSS, ETHAN (PGR)" userId="64022231-9dc0-4c9d-8854-6af795d8551c" providerId="ADAL" clId="{7CE17A3D-310D-4F3D-A278-8CD8D135CCC9}" dt="2025-10-13T08:22:11.932" v="132" actId="1076"/>
+          <ac:spMkLst>
+            <pc:docMk/>
+            <pc:sldMk cId="1955097304" sldId="256"/>
+            <ac:spMk id="42" creationId="{D6AC37C8-A14F-0F4C-F344-67106BB3470A}"/>
+          </ac:spMkLst>
+        </pc:spChg>
+        <pc:spChg chg="mod">
+          <ac:chgData name="ROSS, ETHAN (PGR)" userId="64022231-9dc0-4c9d-8854-6af795d8551c" providerId="ADAL" clId="{7CE17A3D-310D-4F3D-A278-8CD8D135CCC9}" dt="2025-10-13T08:21:07.140" v="120" actId="2"/>
+          <ac:spMkLst>
+            <pc:docMk/>
+            <pc:sldMk cId="1955097304" sldId="256"/>
+            <ac:spMk id="47" creationId="{0F7F6C12-67DE-6511-6392-9C9C0E74059A}"/>
+          </ac:spMkLst>
+        </pc:spChg>
+      </pc:sldChg>
+    </pc:docChg>
+  </pc:docChgLst>
   <pc:docChgLst>
     <pc:chgData name="ROSS, ETHAN (PGR)" userId="64022231-9dc0-4c9d-8854-6af795d8551c" providerId="ADAL" clId="{3417C152-B8A4-469A-95C9-0E070E3595C8}"/>
     <pc:docChg chg="undo custSel modSld">
@@ -130,302 +263,6 @@
           <pc:docMk/>
           <pc:sldMk cId="1955097304" sldId="256"/>
         </pc:sldMkLst>
-        <pc:spChg chg="mod">
-          <ac:chgData name="ROSS, ETHAN (PGR)" userId="64022231-9dc0-4c9d-8854-6af795d8551c" providerId="ADAL" clId="{3417C152-B8A4-469A-95C9-0E070E3595C8}" dt="2025-07-02T16:26:05.499" v="405" actId="404"/>
-          <ac:spMkLst>
-            <pc:docMk/>
-            <pc:sldMk cId="1955097304" sldId="256"/>
-            <ac:spMk id="6" creationId="{681F467E-1A2A-4D13-BFFC-A12B2E4ABBC1}"/>
-          </ac:spMkLst>
-        </pc:spChg>
-        <pc:spChg chg="mod">
-          <ac:chgData name="ROSS, ETHAN (PGR)" userId="64022231-9dc0-4c9d-8854-6af795d8551c" providerId="ADAL" clId="{3417C152-B8A4-469A-95C9-0E070E3595C8}" dt="2025-07-02T16:27:21.877" v="441" actId="207"/>
-          <ac:spMkLst>
-            <pc:docMk/>
-            <pc:sldMk cId="1955097304" sldId="256"/>
-            <ac:spMk id="7" creationId="{653769E9-E545-B439-47F4-2CF7D8F68BF0}"/>
-          </ac:spMkLst>
-        </pc:spChg>
-        <pc:spChg chg="add">
-          <ac:chgData name="ROSS, ETHAN (PGR)" userId="64022231-9dc0-4c9d-8854-6af795d8551c" providerId="ADAL" clId="{3417C152-B8A4-469A-95C9-0E070E3595C8}" dt="2025-07-02T15:48:01.353" v="1"/>
-          <ac:spMkLst>
-            <pc:docMk/>
-            <pc:sldMk cId="1955097304" sldId="256"/>
-            <ac:spMk id="8" creationId="{A4547575-BBD3-F9E8-C26B-DBD47A8C4D6D}"/>
-          </ac:spMkLst>
-        </pc:spChg>
-        <pc:spChg chg="add mod">
-          <ac:chgData name="ROSS, ETHAN (PGR)" userId="64022231-9dc0-4c9d-8854-6af795d8551c" providerId="ADAL" clId="{3417C152-B8A4-469A-95C9-0E070E3595C8}" dt="2025-07-02T16:25:21.551" v="390" actId="1037"/>
-          <ac:spMkLst>
-            <pc:docMk/>
-            <pc:sldMk cId="1955097304" sldId="256"/>
-            <ac:spMk id="10" creationId="{899849E5-6A0B-F31E-CE38-B42987DCDEFE}"/>
-          </ac:spMkLst>
-        </pc:spChg>
-        <pc:spChg chg="add mod">
-          <ac:chgData name="ROSS, ETHAN (PGR)" userId="64022231-9dc0-4c9d-8854-6af795d8551c" providerId="ADAL" clId="{3417C152-B8A4-469A-95C9-0E070E3595C8}" dt="2025-07-02T16:26:05.499" v="405" actId="404"/>
-          <ac:spMkLst>
-            <pc:docMk/>
-            <pc:sldMk cId="1955097304" sldId="256"/>
-            <ac:spMk id="12" creationId="{7BFF95C1-570C-E0E6-C273-BE2F4CAA8BA0}"/>
-          </ac:spMkLst>
-        </pc:spChg>
-        <pc:spChg chg="add">
-          <ac:chgData name="ROSS, ETHAN (PGR)" userId="64022231-9dc0-4c9d-8854-6af795d8551c" providerId="ADAL" clId="{3417C152-B8A4-469A-95C9-0E070E3595C8}" dt="2025-07-02T15:48:35.751" v="13"/>
-          <ac:spMkLst>
-            <pc:docMk/>
-            <pc:sldMk cId="1955097304" sldId="256"/>
-            <ac:spMk id="13" creationId="{0C49A2E9-2FB6-49A2-5E17-4B21C288B1CD}"/>
-          </ac:spMkLst>
-        </pc:spChg>
-        <pc:spChg chg="add mod">
-          <ac:chgData name="ROSS, ETHAN (PGR)" userId="64022231-9dc0-4c9d-8854-6af795d8551c" providerId="ADAL" clId="{3417C152-B8A4-469A-95C9-0E070E3595C8}" dt="2025-07-02T16:26:05.499" v="405" actId="404"/>
-          <ac:spMkLst>
-            <pc:docMk/>
-            <pc:sldMk cId="1955097304" sldId="256"/>
-            <ac:spMk id="15" creationId="{4E4966DC-7402-6FC2-8F91-8151DA62954B}"/>
-          </ac:spMkLst>
-        </pc:spChg>
-        <pc:spChg chg="add mod">
-          <ac:chgData name="ROSS, ETHAN (PGR)" userId="64022231-9dc0-4c9d-8854-6af795d8551c" providerId="ADAL" clId="{3417C152-B8A4-469A-95C9-0E070E3595C8}" dt="2025-07-02T16:25:26.295" v="392" actId="1038"/>
-          <ac:spMkLst>
-            <pc:docMk/>
-            <pc:sldMk cId="1955097304" sldId="256"/>
-            <ac:spMk id="17" creationId="{6F28FF4C-0FEA-C5FD-45BA-375C431CE85A}"/>
-          </ac:spMkLst>
-        </pc:spChg>
-        <pc:spChg chg="add">
-          <ac:chgData name="ROSS, ETHAN (PGR)" userId="64022231-9dc0-4c9d-8854-6af795d8551c" providerId="ADAL" clId="{3417C152-B8A4-469A-95C9-0E070E3595C8}" dt="2025-07-02T15:49:05.891" v="20"/>
-          <ac:spMkLst>
-            <pc:docMk/>
-            <pc:sldMk cId="1955097304" sldId="256"/>
-            <ac:spMk id="18" creationId="{D2147621-B661-B84B-3FAE-CA2EA12DFC40}"/>
-          </ac:spMkLst>
-        </pc:spChg>
-        <pc:spChg chg="add del mod">
-          <ac:chgData name="ROSS, ETHAN (PGR)" userId="64022231-9dc0-4c9d-8854-6af795d8551c" providerId="ADAL" clId="{3417C152-B8A4-469A-95C9-0E070E3595C8}" dt="2025-07-02T16:13:16.809" v="67" actId="21"/>
-          <ac:spMkLst>
-            <pc:docMk/>
-            <pc:sldMk cId="1955097304" sldId="256"/>
-            <ac:spMk id="20" creationId="{3EBA93CC-41FD-2396-8468-E4981A2C978D}"/>
-          </ac:spMkLst>
-        </pc:spChg>
-        <pc:spChg chg="add">
-          <ac:chgData name="ROSS, ETHAN (PGR)" userId="64022231-9dc0-4c9d-8854-6af795d8551c" providerId="ADAL" clId="{3417C152-B8A4-469A-95C9-0E070E3595C8}" dt="2025-07-02T16:00:29.852" v="24"/>
-          <ac:spMkLst>
-            <pc:docMk/>
-            <pc:sldMk cId="1955097304" sldId="256"/>
-            <ac:spMk id="21" creationId="{3F1450FD-141F-968E-AA32-4DDEE1193E27}"/>
-          </ac:spMkLst>
-        </pc:spChg>
-        <pc:spChg chg="add del mod">
-          <ac:chgData name="ROSS, ETHAN (PGR)" userId="64022231-9dc0-4c9d-8854-6af795d8551c" providerId="ADAL" clId="{3417C152-B8A4-469A-95C9-0E070E3595C8}" dt="2025-07-02T16:26:13.206" v="407" actId="21"/>
-          <ac:spMkLst>
-            <pc:docMk/>
-            <pc:sldMk cId="1955097304" sldId="256"/>
-            <ac:spMk id="23" creationId="{1FE17D9A-229F-7FA1-BE1F-670A5D828E52}"/>
-          </ac:spMkLst>
-        </pc:spChg>
-        <pc:spChg chg="add mod">
-          <ac:chgData name="ROSS, ETHAN (PGR)" userId="64022231-9dc0-4c9d-8854-6af795d8551c" providerId="ADAL" clId="{3417C152-B8A4-469A-95C9-0E070E3595C8}" dt="2025-07-02T16:24:41.526" v="374" actId="1038"/>
-          <ac:spMkLst>
-            <pc:docMk/>
-            <pc:sldMk cId="1955097304" sldId="256"/>
-            <ac:spMk id="25" creationId="{91D02010-8EC2-1744-A04A-F69E0D704B39}"/>
-          </ac:spMkLst>
-        </pc:spChg>
-        <pc:spChg chg="add mod">
-          <ac:chgData name="ROSS, ETHAN (PGR)" userId="64022231-9dc0-4c9d-8854-6af795d8551c" providerId="ADAL" clId="{3417C152-B8A4-469A-95C9-0E070E3595C8}" dt="2025-07-02T16:01:20.349" v="34" actId="1076"/>
-          <ac:spMkLst>
-            <pc:docMk/>
-            <pc:sldMk cId="1955097304" sldId="256"/>
-            <ac:spMk id="26" creationId="{C8BA36B6-8D7A-3FE1-94B2-07D76B0E5304}"/>
-          </ac:spMkLst>
-        </pc:spChg>
-        <pc:spChg chg="add mod">
-          <ac:chgData name="ROSS, ETHAN (PGR)" userId="64022231-9dc0-4c9d-8854-6af795d8551c" providerId="ADAL" clId="{3417C152-B8A4-469A-95C9-0E070E3595C8}" dt="2025-07-02T16:24:35.847" v="365" actId="1038"/>
-          <ac:spMkLst>
-            <pc:docMk/>
-            <pc:sldMk cId="1955097304" sldId="256"/>
-            <ac:spMk id="28" creationId="{BE86061A-0DF1-4D81-322D-DA36A1837572}"/>
-          </ac:spMkLst>
-        </pc:spChg>
-        <pc:spChg chg="add mod">
-          <ac:chgData name="ROSS, ETHAN (PGR)" userId="64022231-9dc0-4c9d-8854-6af795d8551c" providerId="ADAL" clId="{3417C152-B8A4-469A-95C9-0E070E3595C8}" dt="2025-07-02T16:26:05.499" v="405" actId="404"/>
-          <ac:spMkLst>
-            <pc:docMk/>
-            <pc:sldMk cId="1955097304" sldId="256"/>
-            <ac:spMk id="30" creationId="{09A562D6-A8DC-21A6-74CF-D226F92DD7EB}"/>
-          </ac:spMkLst>
-        </pc:spChg>
-        <pc:spChg chg="add mod">
-          <ac:chgData name="ROSS, ETHAN (PGR)" userId="64022231-9dc0-4c9d-8854-6af795d8551c" providerId="ADAL" clId="{3417C152-B8A4-469A-95C9-0E070E3595C8}" dt="2025-07-02T16:27:12.344" v="439" actId="2"/>
-          <ac:spMkLst>
-            <pc:docMk/>
-            <pc:sldMk cId="1955097304" sldId="256"/>
-            <ac:spMk id="32" creationId="{8D6C8DDB-EBE8-35CA-B06D-7D600F755658}"/>
-          </ac:spMkLst>
-        </pc:spChg>
-        <pc:spChg chg="add mod">
-          <ac:chgData name="ROSS, ETHAN (PGR)" userId="64022231-9dc0-4c9d-8854-6af795d8551c" providerId="ADAL" clId="{3417C152-B8A4-469A-95C9-0E070E3595C8}" dt="2025-07-02T16:27:06.118" v="438" actId="114"/>
-          <ac:spMkLst>
-            <pc:docMk/>
-            <pc:sldMk cId="1955097304" sldId="256"/>
-            <ac:spMk id="33" creationId="{151B2BC1-76A1-9C20-2C20-82ABCD9A5D5C}"/>
-          </ac:spMkLst>
-        </pc:spChg>
-        <pc:spChg chg="add mod">
-          <ac:chgData name="ROSS, ETHAN (PGR)" userId="64022231-9dc0-4c9d-8854-6af795d8551c" providerId="ADAL" clId="{3417C152-B8A4-469A-95C9-0E070E3595C8}" dt="2025-07-02T16:26:05.499" v="405" actId="404"/>
-          <ac:spMkLst>
-            <pc:docMk/>
-            <pc:sldMk cId="1955097304" sldId="256"/>
-            <ac:spMk id="34" creationId="{228F88D3-6A1D-8392-E5EB-DF0716296AFB}"/>
-          </ac:spMkLst>
-        </pc:spChg>
-        <pc:spChg chg="add">
-          <ac:chgData name="ROSS, ETHAN (PGR)" userId="64022231-9dc0-4c9d-8854-6af795d8551c" providerId="ADAL" clId="{3417C152-B8A4-469A-95C9-0E070E3595C8}" dt="2025-07-02T16:17:06.683" v="123"/>
-          <ac:spMkLst>
-            <pc:docMk/>
-            <pc:sldMk cId="1955097304" sldId="256"/>
-            <ac:spMk id="35" creationId="{CE9ABF41-FED3-8504-B400-809B60C5619B}"/>
-          </ac:spMkLst>
-        </pc:spChg>
-        <pc:spChg chg="add mod">
-          <ac:chgData name="ROSS, ETHAN (PGR)" userId="64022231-9dc0-4c9d-8854-6af795d8551c" providerId="ADAL" clId="{3417C152-B8A4-469A-95C9-0E070E3595C8}" dt="2025-07-02T16:25:31.224" v="393" actId="1037"/>
-          <ac:spMkLst>
-            <pc:docMk/>
-            <pc:sldMk cId="1955097304" sldId="256"/>
-            <ac:spMk id="37" creationId="{CBE1E0AC-DB9F-3D79-D3FD-03F7BF83B532}"/>
-          </ac:spMkLst>
-        </pc:spChg>
-        <pc:spChg chg="add mod">
-          <ac:chgData name="ROSS, ETHAN (PGR)" userId="64022231-9dc0-4c9d-8854-6af795d8551c" providerId="ADAL" clId="{3417C152-B8A4-469A-95C9-0E070E3595C8}" dt="2025-07-02T16:26:05.499" v="405" actId="404"/>
-          <ac:spMkLst>
-            <pc:docMk/>
-            <pc:sldMk cId="1955097304" sldId="256"/>
-            <ac:spMk id="39" creationId="{F1C6BF11-988E-F971-779A-9AAB10527CC9}"/>
-          </ac:spMkLst>
-        </pc:spChg>
-        <pc:spChg chg="add">
-          <ac:chgData name="ROSS, ETHAN (PGR)" userId="64022231-9dc0-4c9d-8854-6af795d8551c" providerId="ADAL" clId="{3417C152-B8A4-469A-95C9-0E070E3595C8}" dt="2025-07-02T16:17:48.498" v="138"/>
-          <ac:spMkLst>
-            <pc:docMk/>
-            <pc:sldMk cId="1955097304" sldId="256"/>
-            <ac:spMk id="40" creationId="{E0D9D0AC-F8E0-7BAC-7438-2238A372288B}"/>
-          </ac:spMkLst>
-        </pc:spChg>
-        <pc:spChg chg="add mod">
-          <ac:chgData name="ROSS, ETHAN (PGR)" userId="64022231-9dc0-4c9d-8854-6af795d8551c" providerId="ADAL" clId="{3417C152-B8A4-469A-95C9-0E070E3595C8}" dt="2025-07-02T16:26:05.499" v="405" actId="404"/>
-          <ac:spMkLst>
-            <pc:docMk/>
-            <pc:sldMk cId="1955097304" sldId="256"/>
-            <ac:spMk id="42" creationId="{D6AC37C8-A14F-0F4C-F344-67106BB3470A}"/>
-          </ac:spMkLst>
-        </pc:spChg>
-        <pc:spChg chg="add del mod">
-          <ac:chgData name="ROSS, ETHAN (PGR)" userId="64022231-9dc0-4c9d-8854-6af795d8551c" providerId="ADAL" clId="{3417C152-B8A4-469A-95C9-0E070E3595C8}" dt="2025-07-02T16:19:11.645" v="162"/>
-          <ac:spMkLst>
-            <pc:docMk/>
-            <pc:sldMk cId="1955097304" sldId="256"/>
-            <ac:spMk id="44" creationId="{4F2D9D71-D587-1BDE-270C-AF8DD46CB914}"/>
-          </ac:spMkLst>
-        </pc:spChg>
-        <pc:spChg chg="add">
-          <ac:chgData name="ROSS, ETHAN (PGR)" userId="64022231-9dc0-4c9d-8854-6af795d8551c" providerId="ADAL" clId="{3417C152-B8A4-469A-95C9-0E070E3595C8}" dt="2025-07-02T16:19:09.904" v="160"/>
-          <ac:spMkLst>
-            <pc:docMk/>
-            <pc:sldMk cId="1955097304" sldId="256"/>
-            <ac:spMk id="45" creationId="{A6D230E1-A583-D7A2-928C-0E725CE96806}"/>
-          </ac:spMkLst>
-        </pc:spChg>
-        <pc:spChg chg="add mod">
-          <ac:chgData name="ROSS, ETHAN (PGR)" userId="64022231-9dc0-4c9d-8854-6af795d8551c" providerId="ADAL" clId="{3417C152-B8A4-469A-95C9-0E070E3595C8}" dt="2025-07-02T16:27:29.774" v="442" actId="207"/>
-          <ac:spMkLst>
-            <pc:docMk/>
-            <pc:sldMk cId="1955097304" sldId="256"/>
-            <ac:spMk id="47" creationId="{0F7F6C12-67DE-6511-6392-9C9C0E74059A}"/>
-          </ac:spMkLst>
-        </pc:spChg>
-        <pc:spChg chg="add">
-          <ac:chgData name="ROSS, ETHAN (PGR)" userId="64022231-9dc0-4c9d-8854-6af795d8551c" providerId="ADAL" clId="{3417C152-B8A4-469A-95C9-0E070E3595C8}" dt="2025-07-02T16:19:27.403" v="169"/>
-          <ac:spMkLst>
-            <pc:docMk/>
-            <pc:sldMk cId="1955097304" sldId="256"/>
-            <ac:spMk id="48" creationId="{150A2627-AE3A-B5B0-0DC4-58864CBB908E}"/>
-          </ac:spMkLst>
-        </pc:spChg>
-        <pc:spChg chg="add mod">
-          <ac:chgData name="ROSS, ETHAN (PGR)" userId="64022231-9dc0-4c9d-8854-6af795d8551c" providerId="ADAL" clId="{3417C152-B8A4-469A-95C9-0E070E3595C8}" dt="2025-07-02T16:27:29.774" v="442" actId="207"/>
-          <ac:spMkLst>
-            <pc:docMk/>
-            <pc:sldMk cId="1955097304" sldId="256"/>
-            <ac:spMk id="50" creationId="{40E4FC17-5907-2320-726E-558EE2BC788C}"/>
-          </ac:spMkLst>
-        </pc:spChg>
-        <pc:spChg chg="add mod">
-          <ac:chgData name="ROSS, ETHAN (PGR)" userId="64022231-9dc0-4c9d-8854-6af795d8551c" providerId="ADAL" clId="{3417C152-B8A4-469A-95C9-0E070E3595C8}" dt="2025-07-02T16:27:29.774" v="442" actId="207"/>
-          <ac:spMkLst>
-            <pc:docMk/>
-            <pc:sldMk cId="1955097304" sldId="256"/>
-            <ac:spMk id="52" creationId="{6FA5390B-2BFC-F90D-4DBA-76A3B2684079}"/>
-          </ac:spMkLst>
-        </pc:spChg>
-        <pc:spChg chg="add mod">
-          <ac:chgData name="ROSS, ETHAN (PGR)" userId="64022231-9dc0-4c9d-8854-6af795d8551c" providerId="ADAL" clId="{3417C152-B8A4-469A-95C9-0E070E3595C8}" dt="2025-07-02T16:27:29.774" v="442" actId="207"/>
-          <ac:spMkLst>
-            <pc:docMk/>
-            <pc:sldMk cId="1955097304" sldId="256"/>
-            <ac:spMk id="54" creationId="{AF533F2B-1FED-7761-9C85-18A9B3B44C74}"/>
-          </ac:spMkLst>
-        </pc:spChg>
-        <pc:spChg chg="add mod">
-          <ac:chgData name="ROSS, ETHAN (PGR)" userId="64022231-9dc0-4c9d-8854-6af795d8551c" providerId="ADAL" clId="{3417C152-B8A4-469A-95C9-0E070E3595C8}" dt="2025-07-02T16:27:29.774" v="442" actId="207"/>
-          <ac:spMkLst>
-            <pc:docMk/>
-            <pc:sldMk cId="1955097304" sldId="256"/>
-            <ac:spMk id="56" creationId="{DA14B70A-531F-8A14-B3E4-8277448CAF6D}"/>
-          </ac:spMkLst>
-        </pc:spChg>
-        <pc:spChg chg="add mod">
-          <ac:chgData name="ROSS, ETHAN (PGR)" userId="64022231-9dc0-4c9d-8854-6af795d8551c" providerId="ADAL" clId="{3417C152-B8A4-469A-95C9-0E070E3595C8}" dt="2025-07-02T16:27:29.774" v="442" actId="207"/>
-          <ac:spMkLst>
-            <pc:docMk/>
-            <pc:sldMk cId="1955097304" sldId="256"/>
-            <ac:spMk id="58" creationId="{98DF029C-9A06-32DD-6265-5E0D6061BF0C}"/>
-          </ac:spMkLst>
-        </pc:spChg>
-        <pc:spChg chg="add mod">
-          <ac:chgData name="ROSS, ETHAN (PGR)" userId="64022231-9dc0-4c9d-8854-6af795d8551c" providerId="ADAL" clId="{3417C152-B8A4-469A-95C9-0E070E3595C8}" dt="2025-07-02T16:26:46.378" v="436" actId="1076"/>
-          <ac:spMkLst>
-            <pc:docMk/>
-            <pc:sldMk cId="1955097304" sldId="256"/>
-            <ac:spMk id="59" creationId="{C4DCBC6C-79F5-CC45-0E84-6160AE63615E}"/>
-          </ac:spMkLst>
-        </pc:spChg>
-        <pc:spChg chg="add mod">
-          <ac:chgData name="ROSS, ETHAN (PGR)" userId="64022231-9dc0-4c9d-8854-6af795d8551c" providerId="ADAL" clId="{3417C152-B8A4-469A-95C9-0E070E3595C8}" dt="2025-07-02T16:26:39.470" v="435" actId="1076"/>
-          <ac:spMkLst>
-            <pc:docMk/>
-            <pc:sldMk cId="1955097304" sldId="256"/>
-            <ac:spMk id="60" creationId="{A62AD7BB-FF46-2BD4-26B1-AB592671D748}"/>
-          </ac:spMkLst>
-        </pc:spChg>
-        <pc:spChg chg="add mod">
-          <ac:chgData name="ROSS, ETHAN (PGR)" userId="64022231-9dc0-4c9d-8854-6af795d8551c" providerId="ADAL" clId="{3417C152-B8A4-469A-95C9-0E070E3595C8}" dt="2025-07-02T16:28:59.439" v="445" actId="1076"/>
-          <ac:spMkLst>
-            <pc:docMk/>
-            <pc:sldMk cId="1955097304" sldId="256"/>
-            <ac:spMk id="61" creationId="{0E114B80-4D81-F69F-B91B-4ED8BED42623}"/>
-          </ac:spMkLst>
-        </pc:spChg>
-        <pc:picChg chg="del mod">
-          <ac:chgData name="ROSS, ETHAN (PGR)" userId="64022231-9dc0-4c9d-8854-6af795d8551c" providerId="ADAL" clId="{3417C152-B8A4-469A-95C9-0E070E3595C8}" dt="2025-07-02T16:20:57.243" v="201" actId="21"/>
-          <ac:picMkLst>
-            <pc:docMk/>
-            <pc:sldMk cId="1955097304" sldId="256"/>
-            <ac:picMk id="4" creationId="{23807BA2-25BE-48A6-4F21-4E12BC2AE2BB}"/>
-          </ac:picMkLst>
-        </pc:picChg>
       </pc:sldChg>
     </pc:docChg>
   </pc:docChgLst>
@@ -581,7 +418,7 @@
           <a:p>
             <a:fld id="{4EEEFF7E-8984-41A6-9A89-C13D28A213CB}" type="datetimeFigureOut">
               <a:rPr lang="en-GB" smtClean="0"/>
-              <a:t>02/07/2025</a:t>
+              <a:t>13/10/2025</a:t>
             </a:fld>
             <a:endParaRPr lang="en-GB"/>
           </a:p>
@@ -781,7 +618,7 @@
           <a:p>
             <a:fld id="{4EEEFF7E-8984-41A6-9A89-C13D28A213CB}" type="datetimeFigureOut">
               <a:rPr lang="en-GB" smtClean="0"/>
-              <a:t>02/07/2025</a:t>
+              <a:t>13/10/2025</a:t>
             </a:fld>
             <a:endParaRPr lang="en-GB"/>
           </a:p>
@@ -991,7 +828,7 @@
           <a:p>
             <a:fld id="{4EEEFF7E-8984-41A6-9A89-C13D28A213CB}" type="datetimeFigureOut">
               <a:rPr lang="en-GB" smtClean="0"/>
-              <a:t>02/07/2025</a:t>
+              <a:t>13/10/2025</a:t>
             </a:fld>
             <a:endParaRPr lang="en-GB"/>
           </a:p>
@@ -1191,7 +1028,7 @@
           <a:p>
             <a:fld id="{4EEEFF7E-8984-41A6-9A89-C13D28A213CB}" type="datetimeFigureOut">
               <a:rPr lang="en-GB" smtClean="0"/>
-              <a:t>02/07/2025</a:t>
+              <a:t>13/10/2025</a:t>
             </a:fld>
             <a:endParaRPr lang="en-GB"/>
           </a:p>
@@ -1467,7 +1304,7 @@
           <a:p>
             <a:fld id="{4EEEFF7E-8984-41A6-9A89-C13D28A213CB}" type="datetimeFigureOut">
               <a:rPr lang="en-GB" smtClean="0"/>
-              <a:t>02/07/2025</a:t>
+              <a:t>13/10/2025</a:t>
             </a:fld>
             <a:endParaRPr lang="en-GB"/>
           </a:p>
@@ -1735,7 +1572,7 @@
           <a:p>
             <a:fld id="{4EEEFF7E-8984-41A6-9A89-C13D28A213CB}" type="datetimeFigureOut">
               <a:rPr lang="en-GB" smtClean="0"/>
-              <a:t>02/07/2025</a:t>
+              <a:t>13/10/2025</a:t>
             </a:fld>
             <a:endParaRPr lang="en-GB"/>
           </a:p>
@@ -2150,7 +1987,7 @@
           <a:p>
             <a:fld id="{4EEEFF7E-8984-41A6-9A89-C13D28A213CB}" type="datetimeFigureOut">
               <a:rPr lang="en-GB" smtClean="0"/>
-              <a:t>02/07/2025</a:t>
+              <a:t>13/10/2025</a:t>
             </a:fld>
             <a:endParaRPr lang="en-GB"/>
           </a:p>
@@ -2292,7 +2129,7 @@
           <a:p>
             <a:fld id="{4EEEFF7E-8984-41A6-9A89-C13D28A213CB}" type="datetimeFigureOut">
               <a:rPr lang="en-GB" smtClean="0"/>
-              <a:t>02/07/2025</a:t>
+              <a:t>13/10/2025</a:t>
             </a:fld>
             <a:endParaRPr lang="en-GB"/>
           </a:p>
@@ -2405,7 +2242,7 @@
           <a:p>
             <a:fld id="{4EEEFF7E-8984-41A6-9A89-C13D28A213CB}" type="datetimeFigureOut">
               <a:rPr lang="en-GB" smtClean="0"/>
-              <a:t>02/07/2025</a:t>
+              <a:t>13/10/2025</a:t>
             </a:fld>
             <a:endParaRPr lang="en-GB"/>
           </a:p>
@@ -2718,7 +2555,7 @@
           <a:p>
             <a:fld id="{4EEEFF7E-8984-41A6-9A89-C13D28A213CB}" type="datetimeFigureOut">
               <a:rPr lang="en-GB" smtClean="0"/>
-              <a:t>02/07/2025</a:t>
+              <a:t>13/10/2025</a:t>
             </a:fld>
             <a:endParaRPr lang="en-GB"/>
           </a:p>
@@ -3007,7 +2844,7 @@
           <a:p>
             <a:fld id="{4EEEFF7E-8984-41A6-9A89-C13D28A213CB}" type="datetimeFigureOut">
               <a:rPr lang="en-GB" smtClean="0"/>
-              <a:t>02/07/2025</a:t>
+              <a:t>13/10/2025</a:t>
             </a:fld>
             <a:endParaRPr lang="en-GB"/>
           </a:p>
@@ -3250,7 +3087,7 @@
           <a:p>
             <a:fld id="{4EEEFF7E-8984-41A6-9A89-C13D28A213CB}" type="datetimeFigureOut">
               <a:rPr lang="en-GB" smtClean="0"/>
-              <a:t>02/07/2025</a:t>
+              <a:t>13/10/2025</a:t>
             </a:fld>
             <a:endParaRPr lang="en-GB"/>
           </a:p>
@@ -3801,7 +3638,7 @@
         </p:nvSpPr>
         <p:spPr>
           <a:xfrm>
-            <a:off x="5026216" y="2133918"/>
+            <a:off x="7357903" y="2491631"/>
             <a:ext cx="1191153" cy="646331"/>
           </a:xfrm>
           <a:prstGeom prst="rect">
@@ -3875,7 +3712,7 @@
         </p:nvSpPr>
         <p:spPr>
           <a:xfrm>
-            <a:off x="6553921" y="3215707"/>
+            <a:off x="7071342" y="3529697"/>
             <a:ext cx="1656367" cy="646331"/>
           </a:xfrm>
           <a:prstGeom prst="rect">
@@ -3912,7 +3749,7 @@
         </p:nvSpPr>
         <p:spPr>
           <a:xfrm>
-            <a:off x="5469690" y="1052129"/>
+            <a:off x="5267012" y="1381766"/>
             <a:ext cx="2020410" cy="646331"/>
           </a:xfrm>
           <a:prstGeom prst="rect">
@@ -4134,7 +3971,7 @@
         </p:nvSpPr>
         <p:spPr>
           <a:xfrm>
-            <a:off x="5416953" y="5379286"/>
+            <a:off x="5471609" y="5587102"/>
             <a:ext cx="2118882" cy="369332"/>
           </a:xfrm>
           <a:prstGeom prst="rect">
@@ -4171,7 +4008,7 @@
         </p:nvSpPr>
         <p:spPr>
           <a:xfrm>
-            <a:off x="6556057" y="2155055"/>
+            <a:off x="5893178" y="679582"/>
             <a:ext cx="1362078" cy="646331"/>
           </a:xfrm>
           <a:prstGeom prst="rect">
@@ -4208,7 +4045,7 @@
         </p:nvSpPr>
         <p:spPr>
           <a:xfrm>
-            <a:off x="5043308" y="4297496"/>
+            <a:off x="5124165" y="4776921"/>
             <a:ext cx="1320694" cy="646331"/>
           </a:xfrm>
           <a:prstGeom prst="rect">
@@ -4245,7 +4082,7 @@
         </p:nvSpPr>
         <p:spPr>
           <a:xfrm>
-            <a:off x="4821203" y="3215707"/>
+            <a:off x="4528273" y="3535274"/>
             <a:ext cx="1363575" cy="646331"/>
           </a:xfrm>
           <a:prstGeom prst="rect">
@@ -4282,7 +4119,7 @@
         </p:nvSpPr>
         <p:spPr>
           <a:xfrm>
-            <a:off x="6799882" y="4297496"/>
+            <a:off x="6795294" y="4771101"/>
             <a:ext cx="1294976" cy="646331"/>
           </a:xfrm>
           <a:prstGeom prst="rect">
@@ -4337,17 +4174,8 @@
               <a:rPr lang="en-GB" i="1" dirty="0">
                 <a:latin typeface="Arial Nova" panose="020B0504020202020204" pitchFamily="34" charset="0"/>
               </a:rPr>
-              <a:t>Anguilla </a:t>
-            </a:r>
-            <a:r>
-              <a:rPr lang="en-GB" i="1" dirty="0" err="1">
-                <a:latin typeface="Arial Nova" panose="020B0504020202020204" pitchFamily="34" charset="0"/>
-              </a:rPr>
-              <a:t>anguilla</a:t>
-            </a:r>
-            <a:endParaRPr lang="en-GB" i="1" dirty="0">
-              <a:latin typeface="Arial Nova" panose="020B0504020202020204" pitchFamily="34" charset="0"/>
-            </a:endParaRPr>
+              <a:t>Anguilla anguilla</a:t>
+            </a:r>
           </a:p>
         </p:txBody>
       </p:sp>
@@ -4380,16 +4208,10 @@
           <a:lstStyle/>
           <a:p>
             <a:r>
-              <a:rPr lang="en-GB" i="1" dirty="0" err="1">
-                <a:latin typeface="Arial Nova" panose="020B0504020202020204" pitchFamily="34" charset="0"/>
-              </a:rPr>
-              <a:t>Callionymus</a:t>
-            </a:r>
-            <a:r>
               <a:rPr lang="en-GB" i="1" dirty="0">
                 <a:latin typeface="Arial Nova" panose="020B0504020202020204" pitchFamily="34" charset="0"/>
               </a:rPr>
-              <a:t> lyra</a:t>
+              <a:t>Callionymus lyra</a:t>
             </a:r>
           </a:p>
         </p:txBody>
@@ -4670,6 +4492,154 @@
             <a:endParaRPr lang="en-GB">
               <a:latin typeface="Arial Nova" panose="020B0504020202020204" pitchFamily="34" charset="0"/>
             </a:endParaRPr>
+          </a:p>
+        </p:txBody>
+      </p:sp>
+      <p:sp>
+        <p:nvSpPr>
+          <p:cNvPr id="2" name="TextBox 1">
+            <a:extLst>
+              <a:ext uri="{FF2B5EF4-FFF2-40B4-BE49-F238E27FC236}">
+                <a16:creationId xmlns:a16="http://schemas.microsoft.com/office/drawing/2014/main" id="{D55B8276-7AEE-875D-EB5B-BE778E4683A3}"/>
+              </a:ext>
+            </a:extLst>
+          </p:cNvPr>
+          <p:cNvSpPr txBox="1"/>
+          <p:nvPr/>
+        </p:nvSpPr>
+        <p:spPr>
+          <a:xfrm>
+            <a:off x="5797316" y="2996227"/>
+            <a:ext cx="1362078" cy="646331"/>
+          </a:xfrm>
+          <a:prstGeom prst="rect">
+            <a:avLst/>
+          </a:prstGeom>
+          <a:noFill/>
+        </p:spPr>
+        <p:txBody>
+          <a:bodyPr wrap="square">
+            <a:spAutoFit/>
+          </a:bodyPr>
+          <a:lstStyle/>
+          <a:p>
+            <a:r>
+              <a:rPr lang="en-GB" i="1" dirty="0">
+                <a:latin typeface="Arial Nova" panose="020B0504020202020204" pitchFamily="34" charset="0"/>
+              </a:rPr>
+              <a:t>Trisopterus minutus</a:t>
+            </a:r>
+          </a:p>
+        </p:txBody>
+      </p:sp>
+      <p:sp>
+        <p:nvSpPr>
+          <p:cNvPr id="3" name="TextBox 2">
+            <a:extLst>
+              <a:ext uri="{FF2B5EF4-FFF2-40B4-BE49-F238E27FC236}">
+                <a16:creationId xmlns:a16="http://schemas.microsoft.com/office/drawing/2014/main" id="{CCE6CD9F-6295-030A-6DAD-52ED6E12801C}"/>
+              </a:ext>
+            </a:extLst>
+          </p:cNvPr>
+          <p:cNvSpPr txBox="1"/>
+          <p:nvPr/>
+        </p:nvSpPr>
+        <p:spPr>
+          <a:xfrm>
+            <a:off x="5995905" y="2093613"/>
+            <a:ext cx="2094365" cy="646331"/>
+          </a:xfrm>
+          <a:prstGeom prst="rect">
+            <a:avLst/>
+          </a:prstGeom>
+          <a:noFill/>
+        </p:spPr>
+        <p:txBody>
+          <a:bodyPr wrap="square">
+            <a:spAutoFit/>
+          </a:bodyPr>
+          <a:lstStyle/>
+          <a:p>
+            <a:r>
+              <a:rPr lang="en-GB" i="1" dirty="0">
+                <a:latin typeface="Arial Nova" panose="020B0504020202020204" pitchFamily="34" charset="0"/>
+              </a:rPr>
+              <a:t>Pomatoschistus minutus</a:t>
+            </a:r>
+          </a:p>
+        </p:txBody>
+      </p:sp>
+      <p:sp>
+        <p:nvSpPr>
+          <p:cNvPr id="4" name="TextBox 3">
+            <a:extLst>
+              <a:ext uri="{FF2B5EF4-FFF2-40B4-BE49-F238E27FC236}">
+                <a16:creationId xmlns:a16="http://schemas.microsoft.com/office/drawing/2014/main" id="{80E512C4-8C36-531C-6F49-5CA2419AAAA0}"/>
+              </a:ext>
+            </a:extLst>
+          </p:cNvPr>
+          <p:cNvSpPr txBox="1"/>
+          <p:nvPr/>
+        </p:nvSpPr>
+        <p:spPr>
+          <a:xfrm>
+            <a:off x="5692578" y="4048157"/>
+            <a:ext cx="1687709" cy="646331"/>
+          </a:xfrm>
+          <a:prstGeom prst="rect">
+            <a:avLst/>
+          </a:prstGeom>
+          <a:noFill/>
+        </p:spPr>
+        <p:txBody>
+          <a:bodyPr wrap="square">
+            <a:spAutoFit/>
+          </a:bodyPr>
+          <a:lstStyle/>
+          <a:p>
+            <a:r>
+              <a:rPr lang="en-GB" i="1" dirty="0">
+                <a:latin typeface="Arial Nova" panose="020B0504020202020204" pitchFamily="34" charset="0"/>
+              </a:rPr>
+              <a:t>Symphodus melops</a:t>
+            </a:r>
+          </a:p>
+        </p:txBody>
+      </p:sp>
+      <p:sp>
+        <p:nvSpPr>
+          <p:cNvPr id="5" name="TextBox 4">
+            <a:extLst>
+              <a:ext uri="{FF2B5EF4-FFF2-40B4-BE49-F238E27FC236}">
+                <a16:creationId xmlns:a16="http://schemas.microsoft.com/office/drawing/2014/main" id="{8744AC5F-CD87-1A62-5CD4-41A3ACE8F427}"/>
+              </a:ext>
+            </a:extLst>
+          </p:cNvPr>
+          <p:cNvSpPr txBox="1"/>
+          <p:nvPr/>
+        </p:nvSpPr>
+        <p:spPr>
+          <a:xfrm>
+            <a:off x="4636608" y="2502203"/>
+            <a:ext cx="1362078" cy="646331"/>
+          </a:xfrm>
+          <a:prstGeom prst="rect">
+            <a:avLst/>
+          </a:prstGeom>
+          <a:noFill/>
+        </p:spPr>
+        <p:txBody>
+          <a:bodyPr wrap="square">
+            <a:spAutoFit/>
+          </a:bodyPr>
+          <a:lstStyle/>
+          <a:p>
+            <a:r>
+              <a:rPr lang="en-GB" i="1" dirty="0">
+                <a:latin typeface="Arial Nova" panose="020B0504020202020204" pitchFamily="34" charset="0"/>
+              </a:rPr>
+              <a:t>Taurulus bubalis</a:t>
+            </a:r>
           </a:p>
         </p:txBody>
       </p:sp>
